--- a/ppt 16-9/1109.我不会忘记.pptx
+++ b/ppt 16-9/1109.我不会忘记.pptx
@@ -129,7 +129,7 @@
           <p:cNvPr id="2" name="标题 1">
             <a:extLst>
               <a:ext uri="{FF2B5EF4-FFF2-40B4-BE49-F238E27FC236}">
-                <a16:creationId xmlns:a16="http://schemas.microsoft.com/office/drawing/2014/main" id="{231C0AAC-F387-C1DB-6F60-C543C557B418}"/>
+                <a16:creationId xmlns:a16="http://schemas.microsoft.com/office/drawing/2014/main" id="{3CD9AF97-439D-6D19-7225-3E860C974076}"/>
               </a:ext>
             </a:extLst>
           </p:cNvPr>
@@ -166,7 +166,7 @@
           <p:cNvPr id="3" name="副标题 2">
             <a:extLst>
               <a:ext uri="{FF2B5EF4-FFF2-40B4-BE49-F238E27FC236}">
-                <a16:creationId xmlns:a16="http://schemas.microsoft.com/office/drawing/2014/main" id="{EA63917D-58CB-FBE1-EBF1-889E5635EB92}"/>
+                <a16:creationId xmlns:a16="http://schemas.microsoft.com/office/drawing/2014/main" id="{ABDDB05D-D9D5-A3CC-E63A-ECF9DCC0A960}"/>
               </a:ext>
             </a:extLst>
           </p:cNvPr>
@@ -236,7 +236,7 @@
           <p:cNvPr id="4" name="日期占位符 3">
             <a:extLst>
               <a:ext uri="{FF2B5EF4-FFF2-40B4-BE49-F238E27FC236}">
-                <a16:creationId xmlns:a16="http://schemas.microsoft.com/office/drawing/2014/main" id="{0E068B9F-2E03-9330-B84B-8A8B5A6F4841}"/>
+                <a16:creationId xmlns:a16="http://schemas.microsoft.com/office/drawing/2014/main" id="{A67B3BB3-9E70-F2F3-C753-8AE2B0D7DBFB}"/>
               </a:ext>
             </a:extLst>
           </p:cNvPr>
@@ -252,7 +252,7 @@
           <a:bodyPr/>
           <a:lstStyle/>
           <a:p>
-            <a:fld id="{BBD2A50D-5230-43D0-A391-2C5ABCE934F7}" type="datetimeFigureOut">
+            <a:fld id="{E729246A-9298-4B71-91AF-272F4BA5AFE5}" type="datetimeFigureOut">
               <a:rPr lang="zh-CN" altLang="en-US" smtClean="0"/>
               <a:t>2024/3/10</a:t>
             </a:fld>
@@ -265,7 +265,7 @@
           <p:cNvPr id="5" name="页脚占位符 4">
             <a:extLst>
               <a:ext uri="{FF2B5EF4-FFF2-40B4-BE49-F238E27FC236}">
-                <a16:creationId xmlns:a16="http://schemas.microsoft.com/office/drawing/2014/main" id="{84DE679B-6C7F-8B1E-3696-E585CD629588}"/>
+                <a16:creationId xmlns:a16="http://schemas.microsoft.com/office/drawing/2014/main" id="{56486AA8-789A-4F78-072D-6984A90CFB93}"/>
               </a:ext>
             </a:extLst>
           </p:cNvPr>
@@ -290,7 +290,7 @@
           <p:cNvPr id="6" name="灯片编号占位符 5">
             <a:extLst>
               <a:ext uri="{FF2B5EF4-FFF2-40B4-BE49-F238E27FC236}">
-                <a16:creationId xmlns:a16="http://schemas.microsoft.com/office/drawing/2014/main" id="{3CEDF2A6-0FE8-C3AF-C2DE-B2E220FAB54E}"/>
+                <a16:creationId xmlns:a16="http://schemas.microsoft.com/office/drawing/2014/main" id="{80595701-A834-F5EB-3C9C-4D85BA43435C}"/>
               </a:ext>
             </a:extLst>
           </p:cNvPr>
@@ -306,7 +306,7 @@
           <a:bodyPr/>
           <a:lstStyle/>
           <a:p>
-            <a:fld id="{F834D548-A712-457B-9A60-FA7F53F86623}" type="slidenum">
+            <a:fld id="{9EB5B3D6-F2A5-4A00-B2B1-C594474F8D67}" type="slidenum">
               <a:rPr lang="zh-CN" altLang="en-US" smtClean="0"/>
               <a:t>‹#›</a:t>
             </a:fld>
@@ -317,7 +317,7 @@
     </p:spTree>
     <p:extLst>
       <p:ext uri="{BB962C8B-B14F-4D97-AF65-F5344CB8AC3E}">
-        <p14:creationId xmlns:p14="http://schemas.microsoft.com/office/powerpoint/2010/main" val="554163914"/>
+        <p14:creationId xmlns:p14="http://schemas.microsoft.com/office/powerpoint/2010/main" val="763265868"/>
       </p:ext>
     </p:extLst>
   </p:cSld>
@@ -349,7 +349,7 @@
           <p:cNvPr id="2" name="标题 1">
             <a:extLst>
               <a:ext uri="{FF2B5EF4-FFF2-40B4-BE49-F238E27FC236}">
-                <a16:creationId xmlns:a16="http://schemas.microsoft.com/office/drawing/2014/main" id="{C95F7536-3537-A119-A828-AA393D4EF142}"/>
+                <a16:creationId xmlns:a16="http://schemas.microsoft.com/office/drawing/2014/main" id="{2CF8B643-287C-4964-B037-EF22801B8650}"/>
               </a:ext>
             </a:extLst>
           </p:cNvPr>
@@ -377,7 +377,7 @@
           <p:cNvPr id="3" name="竖排文字占位符 2">
             <a:extLst>
               <a:ext uri="{FF2B5EF4-FFF2-40B4-BE49-F238E27FC236}">
-                <a16:creationId xmlns:a16="http://schemas.microsoft.com/office/drawing/2014/main" id="{049628A5-E03D-B088-B4CF-A16F97AB9F96}"/>
+                <a16:creationId xmlns:a16="http://schemas.microsoft.com/office/drawing/2014/main" id="{74D71F18-524C-417E-9D30-FF76D35A459A}"/>
               </a:ext>
             </a:extLst>
           </p:cNvPr>
@@ -434,7 +434,7 @@
           <p:cNvPr id="4" name="日期占位符 3">
             <a:extLst>
               <a:ext uri="{FF2B5EF4-FFF2-40B4-BE49-F238E27FC236}">
-                <a16:creationId xmlns:a16="http://schemas.microsoft.com/office/drawing/2014/main" id="{01B510D5-A034-7CFB-9598-6CD051B1FF3B}"/>
+                <a16:creationId xmlns:a16="http://schemas.microsoft.com/office/drawing/2014/main" id="{1C14F40E-B0E9-41E0-AF68-821B5F00726C}"/>
               </a:ext>
             </a:extLst>
           </p:cNvPr>
@@ -450,7 +450,7 @@
           <a:bodyPr/>
           <a:lstStyle/>
           <a:p>
-            <a:fld id="{BBD2A50D-5230-43D0-A391-2C5ABCE934F7}" type="datetimeFigureOut">
+            <a:fld id="{E729246A-9298-4B71-91AF-272F4BA5AFE5}" type="datetimeFigureOut">
               <a:rPr lang="zh-CN" altLang="en-US" smtClean="0"/>
               <a:t>2024/3/10</a:t>
             </a:fld>
@@ -463,7 +463,7 @@
           <p:cNvPr id="5" name="页脚占位符 4">
             <a:extLst>
               <a:ext uri="{FF2B5EF4-FFF2-40B4-BE49-F238E27FC236}">
-                <a16:creationId xmlns:a16="http://schemas.microsoft.com/office/drawing/2014/main" id="{57FF8FF7-80C7-529A-5731-6D2C69B63224}"/>
+                <a16:creationId xmlns:a16="http://schemas.microsoft.com/office/drawing/2014/main" id="{A57338AB-CDBF-CCB9-B570-56AFCCAD4580}"/>
               </a:ext>
             </a:extLst>
           </p:cNvPr>
@@ -488,7 +488,7 @@
           <p:cNvPr id="6" name="灯片编号占位符 5">
             <a:extLst>
               <a:ext uri="{FF2B5EF4-FFF2-40B4-BE49-F238E27FC236}">
-                <a16:creationId xmlns:a16="http://schemas.microsoft.com/office/drawing/2014/main" id="{85A7BD35-04FE-5B5D-F51B-8792C4A35A13}"/>
+                <a16:creationId xmlns:a16="http://schemas.microsoft.com/office/drawing/2014/main" id="{7C46E315-E59D-A9D9-7CEA-C7EA99A7DA85}"/>
               </a:ext>
             </a:extLst>
           </p:cNvPr>
@@ -504,7 +504,7 @@
           <a:bodyPr/>
           <a:lstStyle/>
           <a:p>
-            <a:fld id="{F834D548-A712-457B-9A60-FA7F53F86623}" type="slidenum">
+            <a:fld id="{9EB5B3D6-F2A5-4A00-B2B1-C594474F8D67}" type="slidenum">
               <a:rPr lang="zh-CN" altLang="en-US" smtClean="0"/>
               <a:t>‹#›</a:t>
             </a:fld>
@@ -515,7 +515,7 @@
     </p:spTree>
     <p:extLst>
       <p:ext uri="{BB962C8B-B14F-4D97-AF65-F5344CB8AC3E}">
-        <p14:creationId xmlns:p14="http://schemas.microsoft.com/office/powerpoint/2010/main" val="654748922"/>
+        <p14:creationId xmlns:p14="http://schemas.microsoft.com/office/powerpoint/2010/main" val="433567817"/>
       </p:ext>
     </p:extLst>
   </p:cSld>
@@ -547,7 +547,7 @@
           <p:cNvPr id="2" name="竖排标题 1">
             <a:extLst>
               <a:ext uri="{FF2B5EF4-FFF2-40B4-BE49-F238E27FC236}">
-                <a16:creationId xmlns:a16="http://schemas.microsoft.com/office/drawing/2014/main" id="{07F989DF-DB8A-D1DB-BF03-EB4B2D9ECE8C}"/>
+                <a16:creationId xmlns:a16="http://schemas.microsoft.com/office/drawing/2014/main" id="{8305232B-D13E-6FE8-527B-271072CF7BCF}"/>
               </a:ext>
             </a:extLst>
           </p:cNvPr>
@@ -580,7 +580,7 @@
           <p:cNvPr id="3" name="竖排文字占位符 2">
             <a:extLst>
               <a:ext uri="{FF2B5EF4-FFF2-40B4-BE49-F238E27FC236}">
-                <a16:creationId xmlns:a16="http://schemas.microsoft.com/office/drawing/2014/main" id="{E147B29A-819D-8DCD-0D51-AB7667B2BEE2}"/>
+                <a16:creationId xmlns:a16="http://schemas.microsoft.com/office/drawing/2014/main" id="{7B6DB862-96E5-DC57-5DFF-F10331AF373D}"/>
               </a:ext>
             </a:extLst>
           </p:cNvPr>
@@ -642,7 +642,7 @@
           <p:cNvPr id="4" name="日期占位符 3">
             <a:extLst>
               <a:ext uri="{FF2B5EF4-FFF2-40B4-BE49-F238E27FC236}">
-                <a16:creationId xmlns:a16="http://schemas.microsoft.com/office/drawing/2014/main" id="{8C650270-B655-A49C-2FB9-6DA0AE90780A}"/>
+                <a16:creationId xmlns:a16="http://schemas.microsoft.com/office/drawing/2014/main" id="{A26D1DD5-20A4-4EA8-44DC-01260FDFC4EF}"/>
               </a:ext>
             </a:extLst>
           </p:cNvPr>
@@ -658,7 +658,7 @@
           <a:bodyPr/>
           <a:lstStyle/>
           <a:p>
-            <a:fld id="{BBD2A50D-5230-43D0-A391-2C5ABCE934F7}" type="datetimeFigureOut">
+            <a:fld id="{E729246A-9298-4B71-91AF-272F4BA5AFE5}" type="datetimeFigureOut">
               <a:rPr lang="zh-CN" altLang="en-US" smtClean="0"/>
               <a:t>2024/3/10</a:t>
             </a:fld>
@@ -671,7 +671,7 @@
           <p:cNvPr id="5" name="页脚占位符 4">
             <a:extLst>
               <a:ext uri="{FF2B5EF4-FFF2-40B4-BE49-F238E27FC236}">
-                <a16:creationId xmlns:a16="http://schemas.microsoft.com/office/drawing/2014/main" id="{D36B1A7C-8FCC-C0B9-51C6-B5351442BB10}"/>
+                <a16:creationId xmlns:a16="http://schemas.microsoft.com/office/drawing/2014/main" id="{1A19FCD1-1C7E-FDE5-EB11-0DC905C7A36D}"/>
               </a:ext>
             </a:extLst>
           </p:cNvPr>
@@ -696,7 +696,7 @@
           <p:cNvPr id="6" name="灯片编号占位符 5">
             <a:extLst>
               <a:ext uri="{FF2B5EF4-FFF2-40B4-BE49-F238E27FC236}">
-                <a16:creationId xmlns:a16="http://schemas.microsoft.com/office/drawing/2014/main" id="{9FC8CEE6-610D-5730-1B3E-F28BB17726E8}"/>
+                <a16:creationId xmlns:a16="http://schemas.microsoft.com/office/drawing/2014/main" id="{06FA884A-CC10-D82F-E9CC-3477B84D706A}"/>
               </a:ext>
             </a:extLst>
           </p:cNvPr>
@@ -712,7 +712,7 @@
           <a:bodyPr/>
           <a:lstStyle/>
           <a:p>
-            <a:fld id="{F834D548-A712-457B-9A60-FA7F53F86623}" type="slidenum">
+            <a:fld id="{9EB5B3D6-F2A5-4A00-B2B1-C594474F8D67}" type="slidenum">
               <a:rPr lang="zh-CN" altLang="en-US" smtClean="0"/>
               <a:t>‹#›</a:t>
             </a:fld>
@@ -723,7 +723,7 @@
     </p:spTree>
     <p:extLst>
       <p:ext uri="{BB962C8B-B14F-4D97-AF65-F5344CB8AC3E}">
-        <p14:creationId xmlns:p14="http://schemas.microsoft.com/office/powerpoint/2010/main" val="4217823516"/>
+        <p14:creationId xmlns:p14="http://schemas.microsoft.com/office/powerpoint/2010/main" val="1226791226"/>
       </p:ext>
     </p:extLst>
   </p:cSld>
@@ -755,7 +755,7 @@
           <p:cNvPr id="2" name="标题 1">
             <a:extLst>
               <a:ext uri="{FF2B5EF4-FFF2-40B4-BE49-F238E27FC236}">
-                <a16:creationId xmlns:a16="http://schemas.microsoft.com/office/drawing/2014/main" id="{FB633A71-D797-5E6D-4876-CD8424EBBE22}"/>
+                <a16:creationId xmlns:a16="http://schemas.microsoft.com/office/drawing/2014/main" id="{0B9F4A2E-7EF1-07E4-CE26-434B2BBE26AE}"/>
               </a:ext>
             </a:extLst>
           </p:cNvPr>
@@ -783,7 +783,7 @@
           <p:cNvPr id="3" name="内容占位符 2">
             <a:extLst>
               <a:ext uri="{FF2B5EF4-FFF2-40B4-BE49-F238E27FC236}">
-                <a16:creationId xmlns:a16="http://schemas.microsoft.com/office/drawing/2014/main" id="{B97375CC-F0F4-367A-2B17-783325EB5625}"/>
+                <a16:creationId xmlns:a16="http://schemas.microsoft.com/office/drawing/2014/main" id="{CD97DFCD-0BED-2BB8-5768-0EE6BED3730B}"/>
               </a:ext>
             </a:extLst>
           </p:cNvPr>
@@ -840,7 +840,7 @@
           <p:cNvPr id="4" name="日期占位符 3">
             <a:extLst>
               <a:ext uri="{FF2B5EF4-FFF2-40B4-BE49-F238E27FC236}">
-                <a16:creationId xmlns:a16="http://schemas.microsoft.com/office/drawing/2014/main" id="{9913ACF9-434B-37E6-EC16-6667ED004426}"/>
+                <a16:creationId xmlns:a16="http://schemas.microsoft.com/office/drawing/2014/main" id="{5742FFB7-2FDF-6C62-59CF-F4BB9ED263AC}"/>
               </a:ext>
             </a:extLst>
           </p:cNvPr>
@@ -856,7 +856,7 @@
           <a:bodyPr/>
           <a:lstStyle/>
           <a:p>
-            <a:fld id="{BBD2A50D-5230-43D0-A391-2C5ABCE934F7}" type="datetimeFigureOut">
+            <a:fld id="{E729246A-9298-4B71-91AF-272F4BA5AFE5}" type="datetimeFigureOut">
               <a:rPr lang="zh-CN" altLang="en-US" smtClean="0"/>
               <a:t>2024/3/10</a:t>
             </a:fld>
@@ -869,7 +869,7 @@
           <p:cNvPr id="5" name="页脚占位符 4">
             <a:extLst>
               <a:ext uri="{FF2B5EF4-FFF2-40B4-BE49-F238E27FC236}">
-                <a16:creationId xmlns:a16="http://schemas.microsoft.com/office/drawing/2014/main" id="{A6E68478-ED3D-C17F-114F-BBB0E6B568D4}"/>
+                <a16:creationId xmlns:a16="http://schemas.microsoft.com/office/drawing/2014/main" id="{2EC601CD-5C45-B59B-F339-3E0FC6A9538D}"/>
               </a:ext>
             </a:extLst>
           </p:cNvPr>
@@ -894,7 +894,7 @@
           <p:cNvPr id="6" name="灯片编号占位符 5">
             <a:extLst>
               <a:ext uri="{FF2B5EF4-FFF2-40B4-BE49-F238E27FC236}">
-                <a16:creationId xmlns:a16="http://schemas.microsoft.com/office/drawing/2014/main" id="{B80290DD-027D-F229-C168-BAD11BA752D6}"/>
+                <a16:creationId xmlns:a16="http://schemas.microsoft.com/office/drawing/2014/main" id="{D29BB2F5-3DF2-2ACE-DF5A-453035E92409}"/>
               </a:ext>
             </a:extLst>
           </p:cNvPr>
@@ -910,7 +910,7 @@
           <a:bodyPr/>
           <a:lstStyle/>
           <a:p>
-            <a:fld id="{F834D548-A712-457B-9A60-FA7F53F86623}" type="slidenum">
+            <a:fld id="{9EB5B3D6-F2A5-4A00-B2B1-C594474F8D67}" type="slidenum">
               <a:rPr lang="zh-CN" altLang="en-US" smtClean="0"/>
               <a:t>‹#›</a:t>
             </a:fld>
@@ -921,7 +921,7 @@
     </p:spTree>
     <p:extLst>
       <p:ext uri="{BB962C8B-B14F-4D97-AF65-F5344CB8AC3E}">
-        <p14:creationId xmlns:p14="http://schemas.microsoft.com/office/powerpoint/2010/main" val="1388961539"/>
+        <p14:creationId xmlns:p14="http://schemas.microsoft.com/office/powerpoint/2010/main" val="799700965"/>
       </p:ext>
     </p:extLst>
   </p:cSld>
@@ -953,7 +953,7 @@
           <p:cNvPr id="2" name="标题 1">
             <a:extLst>
               <a:ext uri="{FF2B5EF4-FFF2-40B4-BE49-F238E27FC236}">
-                <a16:creationId xmlns:a16="http://schemas.microsoft.com/office/drawing/2014/main" id="{ABFB5F66-9900-4C5E-A0ED-41267EBF1739}"/>
+                <a16:creationId xmlns:a16="http://schemas.microsoft.com/office/drawing/2014/main" id="{0FF69B32-6F01-40C3-1ECF-D628513A8C1F}"/>
               </a:ext>
             </a:extLst>
           </p:cNvPr>
@@ -990,7 +990,7 @@
           <p:cNvPr id="3" name="文本占位符 2">
             <a:extLst>
               <a:ext uri="{FF2B5EF4-FFF2-40B4-BE49-F238E27FC236}">
-                <a16:creationId xmlns:a16="http://schemas.microsoft.com/office/drawing/2014/main" id="{E7F53FF1-2BE1-C346-FD98-A1FBF1C4D967}"/>
+                <a16:creationId xmlns:a16="http://schemas.microsoft.com/office/drawing/2014/main" id="{EFC8B6FC-BEED-C67E-40A9-728145EEBB52}"/>
               </a:ext>
             </a:extLst>
           </p:cNvPr>
@@ -1115,7 +1115,7 @@
           <p:cNvPr id="4" name="日期占位符 3">
             <a:extLst>
               <a:ext uri="{FF2B5EF4-FFF2-40B4-BE49-F238E27FC236}">
-                <a16:creationId xmlns:a16="http://schemas.microsoft.com/office/drawing/2014/main" id="{6111B1AC-42C5-EF59-2C5E-4E3E6726B01D}"/>
+                <a16:creationId xmlns:a16="http://schemas.microsoft.com/office/drawing/2014/main" id="{BB1C1CB9-7FC3-8251-3CB9-F8E09846916F}"/>
               </a:ext>
             </a:extLst>
           </p:cNvPr>
@@ -1131,7 +1131,7 @@
           <a:bodyPr/>
           <a:lstStyle/>
           <a:p>
-            <a:fld id="{BBD2A50D-5230-43D0-A391-2C5ABCE934F7}" type="datetimeFigureOut">
+            <a:fld id="{E729246A-9298-4B71-91AF-272F4BA5AFE5}" type="datetimeFigureOut">
               <a:rPr lang="zh-CN" altLang="en-US" smtClean="0"/>
               <a:t>2024/3/10</a:t>
             </a:fld>
@@ -1144,7 +1144,7 @@
           <p:cNvPr id="5" name="页脚占位符 4">
             <a:extLst>
               <a:ext uri="{FF2B5EF4-FFF2-40B4-BE49-F238E27FC236}">
-                <a16:creationId xmlns:a16="http://schemas.microsoft.com/office/drawing/2014/main" id="{1D708181-546F-3C04-B06A-378334D9D9AE}"/>
+                <a16:creationId xmlns:a16="http://schemas.microsoft.com/office/drawing/2014/main" id="{9F21DBE1-956D-DC43-1654-27172D808799}"/>
               </a:ext>
             </a:extLst>
           </p:cNvPr>
@@ -1169,7 +1169,7 @@
           <p:cNvPr id="6" name="灯片编号占位符 5">
             <a:extLst>
               <a:ext uri="{FF2B5EF4-FFF2-40B4-BE49-F238E27FC236}">
-                <a16:creationId xmlns:a16="http://schemas.microsoft.com/office/drawing/2014/main" id="{2F8995DC-F7F5-5089-6F9D-37AD8644BC4F}"/>
+                <a16:creationId xmlns:a16="http://schemas.microsoft.com/office/drawing/2014/main" id="{F59BA162-CBC9-D7EC-33B9-6D1060DA0F7E}"/>
               </a:ext>
             </a:extLst>
           </p:cNvPr>
@@ -1185,7 +1185,7 @@
           <a:bodyPr/>
           <a:lstStyle/>
           <a:p>
-            <a:fld id="{F834D548-A712-457B-9A60-FA7F53F86623}" type="slidenum">
+            <a:fld id="{9EB5B3D6-F2A5-4A00-B2B1-C594474F8D67}" type="slidenum">
               <a:rPr lang="zh-CN" altLang="en-US" smtClean="0"/>
               <a:t>‹#›</a:t>
             </a:fld>
@@ -1196,7 +1196,7 @@
     </p:spTree>
     <p:extLst>
       <p:ext uri="{BB962C8B-B14F-4D97-AF65-F5344CB8AC3E}">
-        <p14:creationId xmlns:p14="http://schemas.microsoft.com/office/powerpoint/2010/main" val="4176860711"/>
+        <p14:creationId xmlns:p14="http://schemas.microsoft.com/office/powerpoint/2010/main" val="4288470250"/>
       </p:ext>
     </p:extLst>
   </p:cSld>
@@ -1228,7 +1228,7 @@
           <p:cNvPr id="2" name="标题 1">
             <a:extLst>
               <a:ext uri="{FF2B5EF4-FFF2-40B4-BE49-F238E27FC236}">
-                <a16:creationId xmlns:a16="http://schemas.microsoft.com/office/drawing/2014/main" id="{06158056-BF5B-3226-014E-9C9C461948FE}"/>
+                <a16:creationId xmlns:a16="http://schemas.microsoft.com/office/drawing/2014/main" id="{9B6CEAA7-C3B1-F64A-35B0-85AD9A8D2877}"/>
               </a:ext>
             </a:extLst>
           </p:cNvPr>
@@ -1256,7 +1256,7 @@
           <p:cNvPr id="3" name="内容占位符 2">
             <a:extLst>
               <a:ext uri="{FF2B5EF4-FFF2-40B4-BE49-F238E27FC236}">
-                <a16:creationId xmlns:a16="http://schemas.microsoft.com/office/drawing/2014/main" id="{3A11CB06-603D-8DD9-C3FD-C9DA5CF0946A}"/>
+                <a16:creationId xmlns:a16="http://schemas.microsoft.com/office/drawing/2014/main" id="{B5F0D0E6-C4C4-1106-56A8-FFF75E0BFCD4}"/>
               </a:ext>
             </a:extLst>
           </p:cNvPr>
@@ -1318,7 +1318,7 @@
           <p:cNvPr id="4" name="内容占位符 3">
             <a:extLst>
               <a:ext uri="{FF2B5EF4-FFF2-40B4-BE49-F238E27FC236}">
-                <a16:creationId xmlns:a16="http://schemas.microsoft.com/office/drawing/2014/main" id="{AD000638-BAE5-5453-A963-CB406387A2EA}"/>
+                <a16:creationId xmlns:a16="http://schemas.microsoft.com/office/drawing/2014/main" id="{8C735BFA-D174-753C-CE1E-764EF97325A3}"/>
               </a:ext>
             </a:extLst>
           </p:cNvPr>
@@ -1380,7 +1380,7 @@
           <p:cNvPr id="5" name="日期占位符 4">
             <a:extLst>
               <a:ext uri="{FF2B5EF4-FFF2-40B4-BE49-F238E27FC236}">
-                <a16:creationId xmlns:a16="http://schemas.microsoft.com/office/drawing/2014/main" id="{F3F02EC2-553B-E689-1F08-D9273E78AC42}"/>
+                <a16:creationId xmlns:a16="http://schemas.microsoft.com/office/drawing/2014/main" id="{23260DA8-98FE-D89C-D2D9-E15A738F50EE}"/>
               </a:ext>
             </a:extLst>
           </p:cNvPr>
@@ -1396,7 +1396,7 @@
           <a:bodyPr/>
           <a:lstStyle/>
           <a:p>
-            <a:fld id="{BBD2A50D-5230-43D0-A391-2C5ABCE934F7}" type="datetimeFigureOut">
+            <a:fld id="{E729246A-9298-4B71-91AF-272F4BA5AFE5}" type="datetimeFigureOut">
               <a:rPr lang="zh-CN" altLang="en-US" smtClean="0"/>
               <a:t>2024/3/10</a:t>
             </a:fld>
@@ -1409,7 +1409,7 @@
           <p:cNvPr id="6" name="页脚占位符 5">
             <a:extLst>
               <a:ext uri="{FF2B5EF4-FFF2-40B4-BE49-F238E27FC236}">
-                <a16:creationId xmlns:a16="http://schemas.microsoft.com/office/drawing/2014/main" id="{FA5C2388-2D9D-2F29-9EA1-A6EDD25F66A6}"/>
+                <a16:creationId xmlns:a16="http://schemas.microsoft.com/office/drawing/2014/main" id="{FBEC9AB8-9468-975B-E0A9-B05A0AAC154A}"/>
               </a:ext>
             </a:extLst>
           </p:cNvPr>
@@ -1434,7 +1434,7 @@
           <p:cNvPr id="7" name="灯片编号占位符 6">
             <a:extLst>
               <a:ext uri="{FF2B5EF4-FFF2-40B4-BE49-F238E27FC236}">
-                <a16:creationId xmlns:a16="http://schemas.microsoft.com/office/drawing/2014/main" id="{3526BDEB-BC23-2E52-D2D5-B42B6C5BFB70}"/>
+                <a16:creationId xmlns:a16="http://schemas.microsoft.com/office/drawing/2014/main" id="{9EBC5328-A55D-2EA0-2A5D-0F2C5A5A21AA}"/>
               </a:ext>
             </a:extLst>
           </p:cNvPr>
@@ -1450,7 +1450,7 @@
           <a:bodyPr/>
           <a:lstStyle/>
           <a:p>
-            <a:fld id="{F834D548-A712-457B-9A60-FA7F53F86623}" type="slidenum">
+            <a:fld id="{9EB5B3D6-F2A5-4A00-B2B1-C594474F8D67}" type="slidenum">
               <a:rPr lang="zh-CN" altLang="en-US" smtClean="0"/>
               <a:t>‹#›</a:t>
             </a:fld>
@@ -1461,7 +1461,7 @@
     </p:spTree>
     <p:extLst>
       <p:ext uri="{BB962C8B-B14F-4D97-AF65-F5344CB8AC3E}">
-        <p14:creationId xmlns:p14="http://schemas.microsoft.com/office/powerpoint/2010/main" val="3079758006"/>
+        <p14:creationId xmlns:p14="http://schemas.microsoft.com/office/powerpoint/2010/main" val="528949568"/>
       </p:ext>
     </p:extLst>
   </p:cSld>
@@ -1493,7 +1493,7 @@
           <p:cNvPr id="2" name="标题 1">
             <a:extLst>
               <a:ext uri="{FF2B5EF4-FFF2-40B4-BE49-F238E27FC236}">
-                <a16:creationId xmlns:a16="http://schemas.microsoft.com/office/drawing/2014/main" id="{79BD8158-F8DC-6508-1AC9-7E2477A797DF}"/>
+                <a16:creationId xmlns:a16="http://schemas.microsoft.com/office/drawing/2014/main" id="{BA231563-8300-4C66-D865-57FE8FE02B3B}"/>
               </a:ext>
             </a:extLst>
           </p:cNvPr>
@@ -1526,7 +1526,7 @@
           <p:cNvPr id="3" name="文本占位符 2">
             <a:extLst>
               <a:ext uri="{FF2B5EF4-FFF2-40B4-BE49-F238E27FC236}">
-                <a16:creationId xmlns:a16="http://schemas.microsoft.com/office/drawing/2014/main" id="{2F39C1E4-FACC-3909-A776-3263E08FF05D}"/>
+                <a16:creationId xmlns:a16="http://schemas.microsoft.com/office/drawing/2014/main" id="{C4400680-23B8-40C8-140F-358B75C0B473}"/>
               </a:ext>
             </a:extLst>
           </p:cNvPr>
@@ -1597,7 +1597,7 @@
           <p:cNvPr id="4" name="内容占位符 3">
             <a:extLst>
               <a:ext uri="{FF2B5EF4-FFF2-40B4-BE49-F238E27FC236}">
-                <a16:creationId xmlns:a16="http://schemas.microsoft.com/office/drawing/2014/main" id="{5B892B55-2A65-D836-B2AF-75EB308F4CBA}"/>
+                <a16:creationId xmlns:a16="http://schemas.microsoft.com/office/drawing/2014/main" id="{CD3246A6-5C3D-7182-305E-CA0B714C274F}"/>
               </a:ext>
             </a:extLst>
           </p:cNvPr>
@@ -1659,7 +1659,7 @@
           <p:cNvPr id="5" name="文本占位符 4">
             <a:extLst>
               <a:ext uri="{FF2B5EF4-FFF2-40B4-BE49-F238E27FC236}">
-                <a16:creationId xmlns:a16="http://schemas.microsoft.com/office/drawing/2014/main" id="{10767307-0875-1FAC-A70E-BFEFDA3FDBFE}"/>
+                <a16:creationId xmlns:a16="http://schemas.microsoft.com/office/drawing/2014/main" id="{6CFE4753-51A3-AE2F-E2BF-ADB62ABDEB28}"/>
               </a:ext>
             </a:extLst>
           </p:cNvPr>
@@ -1730,7 +1730,7 @@
           <p:cNvPr id="6" name="内容占位符 5">
             <a:extLst>
               <a:ext uri="{FF2B5EF4-FFF2-40B4-BE49-F238E27FC236}">
-                <a16:creationId xmlns:a16="http://schemas.microsoft.com/office/drawing/2014/main" id="{FF5AC692-E2B3-9D2C-43D2-F04B0C4FB3BA}"/>
+                <a16:creationId xmlns:a16="http://schemas.microsoft.com/office/drawing/2014/main" id="{80EBA8D4-816C-0D01-7D79-A929E7F8CA7F}"/>
               </a:ext>
             </a:extLst>
           </p:cNvPr>
@@ -1792,7 +1792,7 @@
           <p:cNvPr id="7" name="日期占位符 6">
             <a:extLst>
               <a:ext uri="{FF2B5EF4-FFF2-40B4-BE49-F238E27FC236}">
-                <a16:creationId xmlns:a16="http://schemas.microsoft.com/office/drawing/2014/main" id="{973880DD-AF32-7944-1188-49442D52B4EF}"/>
+                <a16:creationId xmlns:a16="http://schemas.microsoft.com/office/drawing/2014/main" id="{90574203-059E-74E2-1689-D93990EFD665}"/>
               </a:ext>
             </a:extLst>
           </p:cNvPr>
@@ -1808,7 +1808,7 @@
           <a:bodyPr/>
           <a:lstStyle/>
           <a:p>
-            <a:fld id="{BBD2A50D-5230-43D0-A391-2C5ABCE934F7}" type="datetimeFigureOut">
+            <a:fld id="{E729246A-9298-4B71-91AF-272F4BA5AFE5}" type="datetimeFigureOut">
               <a:rPr lang="zh-CN" altLang="en-US" smtClean="0"/>
               <a:t>2024/3/10</a:t>
             </a:fld>
@@ -1821,7 +1821,7 @@
           <p:cNvPr id="8" name="页脚占位符 7">
             <a:extLst>
               <a:ext uri="{FF2B5EF4-FFF2-40B4-BE49-F238E27FC236}">
-                <a16:creationId xmlns:a16="http://schemas.microsoft.com/office/drawing/2014/main" id="{C8B28B4A-7D07-CC61-21A4-5A6E2EF160C0}"/>
+                <a16:creationId xmlns:a16="http://schemas.microsoft.com/office/drawing/2014/main" id="{2843360A-02E3-EEC5-1843-3471C079E0F3}"/>
               </a:ext>
             </a:extLst>
           </p:cNvPr>
@@ -1846,7 +1846,7 @@
           <p:cNvPr id="9" name="灯片编号占位符 8">
             <a:extLst>
               <a:ext uri="{FF2B5EF4-FFF2-40B4-BE49-F238E27FC236}">
-                <a16:creationId xmlns:a16="http://schemas.microsoft.com/office/drawing/2014/main" id="{A9144939-9FC4-1557-FEEB-6BEE30FFF407}"/>
+                <a16:creationId xmlns:a16="http://schemas.microsoft.com/office/drawing/2014/main" id="{9EB7DAB8-9658-FF93-58E5-26F5FB7E0FA4}"/>
               </a:ext>
             </a:extLst>
           </p:cNvPr>
@@ -1862,7 +1862,7 @@
           <a:bodyPr/>
           <a:lstStyle/>
           <a:p>
-            <a:fld id="{F834D548-A712-457B-9A60-FA7F53F86623}" type="slidenum">
+            <a:fld id="{9EB5B3D6-F2A5-4A00-B2B1-C594474F8D67}" type="slidenum">
               <a:rPr lang="zh-CN" altLang="en-US" smtClean="0"/>
               <a:t>‹#›</a:t>
             </a:fld>
@@ -1873,7 +1873,7 @@
     </p:spTree>
     <p:extLst>
       <p:ext uri="{BB962C8B-B14F-4D97-AF65-F5344CB8AC3E}">
-        <p14:creationId xmlns:p14="http://schemas.microsoft.com/office/powerpoint/2010/main" val="1702412413"/>
+        <p14:creationId xmlns:p14="http://schemas.microsoft.com/office/powerpoint/2010/main" val="2703085955"/>
       </p:ext>
     </p:extLst>
   </p:cSld>
@@ -1905,7 +1905,7 @@
           <p:cNvPr id="2" name="标题 1">
             <a:extLst>
               <a:ext uri="{FF2B5EF4-FFF2-40B4-BE49-F238E27FC236}">
-                <a16:creationId xmlns:a16="http://schemas.microsoft.com/office/drawing/2014/main" id="{A4782158-3203-2548-CA82-CDA0E5AC0F53}"/>
+                <a16:creationId xmlns:a16="http://schemas.microsoft.com/office/drawing/2014/main" id="{29894FC5-C23E-6BB2-1C9E-8F1FA3429632}"/>
               </a:ext>
             </a:extLst>
           </p:cNvPr>
@@ -1933,7 +1933,7 @@
           <p:cNvPr id="3" name="日期占位符 2">
             <a:extLst>
               <a:ext uri="{FF2B5EF4-FFF2-40B4-BE49-F238E27FC236}">
-                <a16:creationId xmlns:a16="http://schemas.microsoft.com/office/drawing/2014/main" id="{D71570C0-BBE4-B40E-0475-3EC3661EA184}"/>
+                <a16:creationId xmlns:a16="http://schemas.microsoft.com/office/drawing/2014/main" id="{20DFB259-1FF9-350E-6467-31E002590402}"/>
               </a:ext>
             </a:extLst>
           </p:cNvPr>
@@ -1949,7 +1949,7 @@
           <a:bodyPr/>
           <a:lstStyle/>
           <a:p>
-            <a:fld id="{BBD2A50D-5230-43D0-A391-2C5ABCE934F7}" type="datetimeFigureOut">
+            <a:fld id="{E729246A-9298-4B71-91AF-272F4BA5AFE5}" type="datetimeFigureOut">
               <a:rPr lang="zh-CN" altLang="en-US" smtClean="0"/>
               <a:t>2024/3/10</a:t>
             </a:fld>
@@ -1962,7 +1962,7 @@
           <p:cNvPr id="4" name="页脚占位符 3">
             <a:extLst>
               <a:ext uri="{FF2B5EF4-FFF2-40B4-BE49-F238E27FC236}">
-                <a16:creationId xmlns:a16="http://schemas.microsoft.com/office/drawing/2014/main" id="{125F8426-6FAD-B77C-4290-71D782B89E3B}"/>
+                <a16:creationId xmlns:a16="http://schemas.microsoft.com/office/drawing/2014/main" id="{11D325BA-0A24-23CB-B86A-93E21A2E6135}"/>
               </a:ext>
             </a:extLst>
           </p:cNvPr>
@@ -1987,7 +1987,7 @@
           <p:cNvPr id="5" name="灯片编号占位符 4">
             <a:extLst>
               <a:ext uri="{FF2B5EF4-FFF2-40B4-BE49-F238E27FC236}">
-                <a16:creationId xmlns:a16="http://schemas.microsoft.com/office/drawing/2014/main" id="{14210DCF-F1C8-1CF9-3050-083F1DA3286F}"/>
+                <a16:creationId xmlns:a16="http://schemas.microsoft.com/office/drawing/2014/main" id="{0438FC34-0D67-2B63-17FF-A128530DB3D4}"/>
               </a:ext>
             </a:extLst>
           </p:cNvPr>
@@ -2003,7 +2003,7 @@
           <a:bodyPr/>
           <a:lstStyle/>
           <a:p>
-            <a:fld id="{F834D548-A712-457B-9A60-FA7F53F86623}" type="slidenum">
+            <a:fld id="{9EB5B3D6-F2A5-4A00-B2B1-C594474F8D67}" type="slidenum">
               <a:rPr lang="zh-CN" altLang="en-US" smtClean="0"/>
               <a:t>‹#›</a:t>
             </a:fld>
@@ -2014,7 +2014,7 @@
     </p:spTree>
     <p:extLst>
       <p:ext uri="{BB962C8B-B14F-4D97-AF65-F5344CB8AC3E}">
-        <p14:creationId xmlns:p14="http://schemas.microsoft.com/office/powerpoint/2010/main" val="1074934261"/>
+        <p14:creationId xmlns:p14="http://schemas.microsoft.com/office/powerpoint/2010/main" val="15579991"/>
       </p:ext>
     </p:extLst>
   </p:cSld>
@@ -2046,7 +2046,7 @@
           <p:cNvPr id="2" name="日期占位符 1">
             <a:extLst>
               <a:ext uri="{FF2B5EF4-FFF2-40B4-BE49-F238E27FC236}">
-                <a16:creationId xmlns:a16="http://schemas.microsoft.com/office/drawing/2014/main" id="{450C14E1-D660-81D0-ED28-6D98397F46E4}"/>
+                <a16:creationId xmlns:a16="http://schemas.microsoft.com/office/drawing/2014/main" id="{D24CB681-CECB-9A5F-DFBE-E1CBB7A13A2A}"/>
               </a:ext>
             </a:extLst>
           </p:cNvPr>
@@ -2062,7 +2062,7 @@
           <a:bodyPr/>
           <a:lstStyle/>
           <a:p>
-            <a:fld id="{BBD2A50D-5230-43D0-A391-2C5ABCE934F7}" type="datetimeFigureOut">
+            <a:fld id="{E729246A-9298-4B71-91AF-272F4BA5AFE5}" type="datetimeFigureOut">
               <a:rPr lang="zh-CN" altLang="en-US" smtClean="0"/>
               <a:t>2024/3/10</a:t>
             </a:fld>
@@ -2075,7 +2075,7 @@
           <p:cNvPr id="3" name="页脚占位符 2">
             <a:extLst>
               <a:ext uri="{FF2B5EF4-FFF2-40B4-BE49-F238E27FC236}">
-                <a16:creationId xmlns:a16="http://schemas.microsoft.com/office/drawing/2014/main" id="{37BBDAC5-62D6-16AC-A05B-9866D1E7969E}"/>
+                <a16:creationId xmlns:a16="http://schemas.microsoft.com/office/drawing/2014/main" id="{9CBDE321-6F25-FC48-3BFC-71624D085689}"/>
               </a:ext>
             </a:extLst>
           </p:cNvPr>
@@ -2100,7 +2100,7 @@
           <p:cNvPr id="4" name="灯片编号占位符 3">
             <a:extLst>
               <a:ext uri="{FF2B5EF4-FFF2-40B4-BE49-F238E27FC236}">
-                <a16:creationId xmlns:a16="http://schemas.microsoft.com/office/drawing/2014/main" id="{4AB264BD-21E5-F920-2CCA-24C8FAD93F1D}"/>
+                <a16:creationId xmlns:a16="http://schemas.microsoft.com/office/drawing/2014/main" id="{FC4739B1-B065-0306-753B-165E8FABDF09}"/>
               </a:ext>
             </a:extLst>
           </p:cNvPr>
@@ -2116,7 +2116,7 @@
           <a:bodyPr/>
           <a:lstStyle/>
           <a:p>
-            <a:fld id="{F834D548-A712-457B-9A60-FA7F53F86623}" type="slidenum">
+            <a:fld id="{9EB5B3D6-F2A5-4A00-B2B1-C594474F8D67}" type="slidenum">
               <a:rPr lang="zh-CN" altLang="en-US" smtClean="0"/>
               <a:t>‹#›</a:t>
             </a:fld>
@@ -2127,7 +2127,7 @@
     </p:spTree>
     <p:extLst>
       <p:ext uri="{BB962C8B-B14F-4D97-AF65-F5344CB8AC3E}">
-        <p14:creationId xmlns:p14="http://schemas.microsoft.com/office/powerpoint/2010/main" val="2191839808"/>
+        <p14:creationId xmlns:p14="http://schemas.microsoft.com/office/powerpoint/2010/main" val="4079164381"/>
       </p:ext>
     </p:extLst>
   </p:cSld>
@@ -2159,7 +2159,7 @@
           <p:cNvPr id="2" name="标题 1">
             <a:extLst>
               <a:ext uri="{FF2B5EF4-FFF2-40B4-BE49-F238E27FC236}">
-                <a16:creationId xmlns:a16="http://schemas.microsoft.com/office/drawing/2014/main" id="{34383739-8DE5-E8E4-0BCC-42A86B0FE6A7}"/>
+                <a16:creationId xmlns:a16="http://schemas.microsoft.com/office/drawing/2014/main" id="{25AA8738-4AF6-B9C4-7C43-7F01C78CA81B}"/>
               </a:ext>
             </a:extLst>
           </p:cNvPr>
@@ -2196,7 +2196,7 @@
           <p:cNvPr id="3" name="内容占位符 2">
             <a:extLst>
               <a:ext uri="{FF2B5EF4-FFF2-40B4-BE49-F238E27FC236}">
-                <a16:creationId xmlns:a16="http://schemas.microsoft.com/office/drawing/2014/main" id="{93ACA57D-C9F6-5E96-1CB5-B3E6EC1371E2}"/>
+                <a16:creationId xmlns:a16="http://schemas.microsoft.com/office/drawing/2014/main" id="{5C3D3BE4-123D-A9A3-E7F6-FEB353167571}"/>
               </a:ext>
             </a:extLst>
           </p:cNvPr>
@@ -2286,7 +2286,7 @@
           <p:cNvPr id="4" name="文本占位符 3">
             <a:extLst>
               <a:ext uri="{FF2B5EF4-FFF2-40B4-BE49-F238E27FC236}">
-                <a16:creationId xmlns:a16="http://schemas.microsoft.com/office/drawing/2014/main" id="{60E539B2-4885-4DDD-5F6C-FD465FF1BE8F}"/>
+                <a16:creationId xmlns:a16="http://schemas.microsoft.com/office/drawing/2014/main" id="{7F2502D0-9337-4D71-0638-E2C140CCEA0D}"/>
               </a:ext>
             </a:extLst>
           </p:cNvPr>
@@ -2357,7 +2357,7 @@
           <p:cNvPr id="5" name="日期占位符 4">
             <a:extLst>
               <a:ext uri="{FF2B5EF4-FFF2-40B4-BE49-F238E27FC236}">
-                <a16:creationId xmlns:a16="http://schemas.microsoft.com/office/drawing/2014/main" id="{25EA9C65-6B4E-A48C-D23B-D37CCDE9719D}"/>
+                <a16:creationId xmlns:a16="http://schemas.microsoft.com/office/drawing/2014/main" id="{2AD82D5D-A469-289A-451B-5B174A444BC1}"/>
               </a:ext>
             </a:extLst>
           </p:cNvPr>
@@ -2373,7 +2373,7 @@
           <a:bodyPr/>
           <a:lstStyle/>
           <a:p>
-            <a:fld id="{BBD2A50D-5230-43D0-A391-2C5ABCE934F7}" type="datetimeFigureOut">
+            <a:fld id="{E729246A-9298-4B71-91AF-272F4BA5AFE5}" type="datetimeFigureOut">
               <a:rPr lang="zh-CN" altLang="en-US" smtClean="0"/>
               <a:t>2024/3/10</a:t>
             </a:fld>
@@ -2386,7 +2386,7 @@
           <p:cNvPr id="6" name="页脚占位符 5">
             <a:extLst>
               <a:ext uri="{FF2B5EF4-FFF2-40B4-BE49-F238E27FC236}">
-                <a16:creationId xmlns:a16="http://schemas.microsoft.com/office/drawing/2014/main" id="{67EFB6C7-2603-40AC-2871-0A264B8377B4}"/>
+                <a16:creationId xmlns:a16="http://schemas.microsoft.com/office/drawing/2014/main" id="{7FB0C2E0-64DA-932E-658D-F7909AEA0D8B}"/>
               </a:ext>
             </a:extLst>
           </p:cNvPr>
@@ -2411,7 +2411,7 @@
           <p:cNvPr id="7" name="灯片编号占位符 6">
             <a:extLst>
               <a:ext uri="{FF2B5EF4-FFF2-40B4-BE49-F238E27FC236}">
-                <a16:creationId xmlns:a16="http://schemas.microsoft.com/office/drawing/2014/main" id="{15BA6D9A-FA37-1587-B121-6F3CD455AAED}"/>
+                <a16:creationId xmlns:a16="http://schemas.microsoft.com/office/drawing/2014/main" id="{737E8A6C-0CDB-3BBA-0ED0-380EF0C2F0D7}"/>
               </a:ext>
             </a:extLst>
           </p:cNvPr>
@@ -2427,7 +2427,7 @@
           <a:bodyPr/>
           <a:lstStyle/>
           <a:p>
-            <a:fld id="{F834D548-A712-457B-9A60-FA7F53F86623}" type="slidenum">
+            <a:fld id="{9EB5B3D6-F2A5-4A00-B2B1-C594474F8D67}" type="slidenum">
               <a:rPr lang="zh-CN" altLang="en-US" smtClean="0"/>
               <a:t>‹#›</a:t>
             </a:fld>
@@ -2438,7 +2438,7 @@
     </p:spTree>
     <p:extLst>
       <p:ext uri="{BB962C8B-B14F-4D97-AF65-F5344CB8AC3E}">
-        <p14:creationId xmlns:p14="http://schemas.microsoft.com/office/powerpoint/2010/main" val="3931777511"/>
+        <p14:creationId xmlns:p14="http://schemas.microsoft.com/office/powerpoint/2010/main" val="4171633704"/>
       </p:ext>
     </p:extLst>
   </p:cSld>
@@ -2470,7 +2470,7 @@
           <p:cNvPr id="2" name="标题 1">
             <a:extLst>
               <a:ext uri="{FF2B5EF4-FFF2-40B4-BE49-F238E27FC236}">
-                <a16:creationId xmlns:a16="http://schemas.microsoft.com/office/drawing/2014/main" id="{C2073300-9F88-7F3F-2EC5-4F1E2E0075B8}"/>
+                <a16:creationId xmlns:a16="http://schemas.microsoft.com/office/drawing/2014/main" id="{793721DF-189E-EAE0-3AF5-77DEE55A6C26}"/>
               </a:ext>
             </a:extLst>
           </p:cNvPr>
@@ -2507,7 +2507,7 @@
           <p:cNvPr id="3" name="图片占位符 2">
             <a:extLst>
               <a:ext uri="{FF2B5EF4-FFF2-40B4-BE49-F238E27FC236}">
-                <a16:creationId xmlns:a16="http://schemas.microsoft.com/office/drawing/2014/main" id="{97030952-12E8-005D-7DB5-5E9682679A49}"/>
+                <a16:creationId xmlns:a16="http://schemas.microsoft.com/office/drawing/2014/main" id="{A53547C1-A576-ED62-4C72-ABB1323C022A}"/>
               </a:ext>
             </a:extLst>
           </p:cNvPr>
@@ -2574,7 +2574,7 @@
           <p:cNvPr id="4" name="文本占位符 3">
             <a:extLst>
               <a:ext uri="{FF2B5EF4-FFF2-40B4-BE49-F238E27FC236}">
-                <a16:creationId xmlns:a16="http://schemas.microsoft.com/office/drawing/2014/main" id="{9F96C944-1A85-372F-AF43-575D96A67882}"/>
+                <a16:creationId xmlns:a16="http://schemas.microsoft.com/office/drawing/2014/main" id="{7CA1DC02-A64E-4393-C5BF-20CE2DED4B94}"/>
               </a:ext>
             </a:extLst>
           </p:cNvPr>
@@ -2645,7 +2645,7 @@
           <p:cNvPr id="5" name="日期占位符 4">
             <a:extLst>
               <a:ext uri="{FF2B5EF4-FFF2-40B4-BE49-F238E27FC236}">
-                <a16:creationId xmlns:a16="http://schemas.microsoft.com/office/drawing/2014/main" id="{4D4D1661-66B4-2FE6-A93B-BE94EC006338}"/>
+                <a16:creationId xmlns:a16="http://schemas.microsoft.com/office/drawing/2014/main" id="{08BB542D-6CF0-8DF2-878C-07A2B9DBC14C}"/>
               </a:ext>
             </a:extLst>
           </p:cNvPr>
@@ -2661,7 +2661,7 @@
           <a:bodyPr/>
           <a:lstStyle/>
           <a:p>
-            <a:fld id="{BBD2A50D-5230-43D0-A391-2C5ABCE934F7}" type="datetimeFigureOut">
+            <a:fld id="{E729246A-9298-4B71-91AF-272F4BA5AFE5}" type="datetimeFigureOut">
               <a:rPr lang="zh-CN" altLang="en-US" smtClean="0"/>
               <a:t>2024/3/10</a:t>
             </a:fld>
@@ -2674,7 +2674,7 @@
           <p:cNvPr id="6" name="页脚占位符 5">
             <a:extLst>
               <a:ext uri="{FF2B5EF4-FFF2-40B4-BE49-F238E27FC236}">
-                <a16:creationId xmlns:a16="http://schemas.microsoft.com/office/drawing/2014/main" id="{B4D386C3-99B9-111C-BFA5-59F20C915CFA}"/>
+                <a16:creationId xmlns:a16="http://schemas.microsoft.com/office/drawing/2014/main" id="{F7357480-2586-7234-86BE-896BF0D301E8}"/>
               </a:ext>
             </a:extLst>
           </p:cNvPr>
@@ -2699,7 +2699,7 @@
           <p:cNvPr id="7" name="灯片编号占位符 6">
             <a:extLst>
               <a:ext uri="{FF2B5EF4-FFF2-40B4-BE49-F238E27FC236}">
-                <a16:creationId xmlns:a16="http://schemas.microsoft.com/office/drawing/2014/main" id="{4C77F142-A884-3548-8C6D-545A3E05CF4E}"/>
+                <a16:creationId xmlns:a16="http://schemas.microsoft.com/office/drawing/2014/main" id="{60D5362D-E898-F9FB-9B80-876F8264E4EA}"/>
               </a:ext>
             </a:extLst>
           </p:cNvPr>
@@ -2715,7 +2715,7 @@
           <a:bodyPr/>
           <a:lstStyle/>
           <a:p>
-            <a:fld id="{F834D548-A712-457B-9A60-FA7F53F86623}" type="slidenum">
+            <a:fld id="{9EB5B3D6-F2A5-4A00-B2B1-C594474F8D67}" type="slidenum">
               <a:rPr lang="zh-CN" altLang="en-US" smtClean="0"/>
               <a:t>‹#›</a:t>
             </a:fld>
@@ -2726,7 +2726,7 @@
     </p:spTree>
     <p:extLst>
       <p:ext uri="{BB962C8B-B14F-4D97-AF65-F5344CB8AC3E}">
-        <p14:creationId xmlns:p14="http://schemas.microsoft.com/office/powerpoint/2010/main" val="2899329717"/>
+        <p14:creationId xmlns:p14="http://schemas.microsoft.com/office/powerpoint/2010/main" val="3414820546"/>
       </p:ext>
     </p:extLst>
   </p:cSld>
@@ -2763,7 +2763,7 @@
           <p:cNvPr id="2" name="标题占位符 1">
             <a:extLst>
               <a:ext uri="{FF2B5EF4-FFF2-40B4-BE49-F238E27FC236}">
-                <a16:creationId xmlns:a16="http://schemas.microsoft.com/office/drawing/2014/main" id="{5508C3C0-C696-3AE0-ECD6-B52580915661}"/>
+                <a16:creationId xmlns:a16="http://schemas.microsoft.com/office/drawing/2014/main" id="{3AAD4DF1-BE18-ADC5-85E1-91BEB95BE570}"/>
               </a:ext>
             </a:extLst>
           </p:cNvPr>
@@ -2801,7 +2801,7 @@
           <p:cNvPr id="3" name="文本占位符 2">
             <a:extLst>
               <a:ext uri="{FF2B5EF4-FFF2-40B4-BE49-F238E27FC236}">
-                <a16:creationId xmlns:a16="http://schemas.microsoft.com/office/drawing/2014/main" id="{EDB40EA2-A733-E836-EA3F-C046022FF1FC}"/>
+                <a16:creationId xmlns:a16="http://schemas.microsoft.com/office/drawing/2014/main" id="{F140A827-52F2-2826-3C60-C73710F088F3}"/>
               </a:ext>
             </a:extLst>
           </p:cNvPr>
@@ -2868,7 +2868,7 @@
           <p:cNvPr id="4" name="日期占位符 3">
             <a:extLst>
               <a:ext uri="{FF2B5EF4-FFF2-40B4-BE49-F238E27FC236}">
-                <a16:creationId xmlns:a16="http://schemas.microsoft.com/office/drawing/2014/main" id="{12C7BEDF-A2B4-1E11-CB28-BEDB8BA3D76E}"/>
+                <a16:creationId xmlns:a16="http://schemas.microsoft.com/office/drawing/2014/main" id="{FCE165FB-0493-FC84-97CA-6990F84FD704}"/>
               </a:ext>
             </a:extLst>
           </p:cNvPr>
@@ -2902,7 +2902,7 @@
             </a:lvl1pPr>
           </a:lstStyle>
           <a:p>
-            <a:fld id="{BBD2A50D-5230-43D0-A391-2C5ABCE934F7}" type="datetimeFigureOut">
+            <a:fld id="{E729246A-9298-4B71-91AF-272F4BA5AFE5}" type="datetimeFigureOut">
               <a:rPr lang="zh-CN" altLang="en-US" smtClean="0"/>
               <a:t>2024/3/10</a:t>
             </a:fld>
@@ -2915,7 +2915,7 @@
           <p:cNvPr id="5" name="页脚占位符 4">
             <a:extLst>
               <a:ext uri="{FF2B5EF4-FFF2-40B4-BE49-F238E27FC236}">
-                <a16:creationId xmlns:a16="http://schemas.microsoft.com/office/drawing/2014/main" id="{BDF4C357-0447-B38D-5C98-D2FCB68B55A7}"/>
+                <a16:creationId xmlns:a16="http://schemas.microsoft.com/office/drawing/2014/main" id="{C0C21F75-8993-9B16-2E44-528C11D29A62}"/>
               </a:ext>
             </a:extLst>
           </p:cNvPr>
@@ -2958,7 +2958,7 @@
           <p:cNvPr id="6" name="灯片编号占位符 5">
             <a:extLst>
               <a:ext uri="{FF2B5EF4-FFF2-40B4-BE49-F238E27FC236}">
-                <a16:creationId xmlns:a16="http://schemas.microsoft.com/office/drawing/2014/main" id="{0AD5559B-1BF9-E9D6-8E3D-63F79B328A7A}"/>
+                <a16:creationId xmlns:a16="http://schemas.microsoft.com/office/drawing/2014/main" id="{7C7E77F0-BC5D-7719-1E18-70D8FD4ECD00}"/>
               </a:ext>
             </a:extLst>
           </p:cNvPr>
@@ -2992,7 +2992,7 @@
             </a:lvl1pPr>
           </a:lstStyle>
           <a:p>
-            <a:fld id="{F834D548-A712-457B-9A60-FA7F53F86623}" type="slidenum">
+            <a:fld id="{9EB5B3D6-F2A5-4A00-B2B1-C594474F8D67}" type="slidenum">
               <a:rPr lang="zh-CN" altLang="en-US" smtClean="0"/>
               <a:t>‹#›</a:t>
             </a:fld>
@@ -3003,7 +3003,7 @@
     </p:spTree>
     <p:extLst>
       <p:ext uri="{BB962C8B-B14F-4D97-AF65-F5344CB8AC3E}">
-        <p14:creationId xmlns:p14="http://schemas.microsoft.com/office/powerpoint/2010/main" val="1333230449"/>
+        <p14:creationId xmlns:p14="http://schemas.microsoft.com/office/powerpoint/2010/main" val="1775235853"/>
       </p:ext>
     </p:extLst>
   </p:cSld>
